--- a/Capstone II Slide Deck PPT.pptx
+++ b/Capstone II Slide Deck PPT.pptx
@@ -130,6 +130,11 @@
             <a:srgbClr val="A4A3A4"/>
           </p15:clr>
         </p15:guide>
+        <p15:guide id="3" orient="horz" pos="2160">
+          <p15:clr>
+            <a:srgbClr val="A4A3A4"/>
+          </p15:clr>
+        </p15:guide>
       </p15:sldGuideLst>
     </p:ext>
   </p:extLst>
@@ -309,7 +314,7 @@
           <a:p>
             <a:fld id="{1160EA64-D806-43AC-9DF2-F8C432F32B4C}" type="datetimeFigureOut">
               <a:rPr lang="en-US" smtClean="0"/>
-              <a:t>1/1/21</a:t>
+              <a:t>1/8/21</a:t>
             </a:fld>
             <a:endParaRPr lang="en-US" dirty="0"/>
           </a:p>
@@ -640,7 +645,7 @@
           <a:p>
             <a:fld id="{E9F9C37B-1D36-470B-8223-D6C91242EC14}" type="datetimeFigureOut">
               <a:rPr lang="en-US" smtClean="0"/>
-              <a:t>1/1/21</a:t>
+              <a:t>1/8/21</a:t>
             </a:fld>
             <a:endParaRPr lang="en-US" dirty="0"/>
           </a:p>
@@ -820,7 +825,7 @@
           <a:p>
             <a:fld id="{67C6F52A-A82B-47A2-A83A-8C4C91F2D59F}" type="datetimeFigureOut">
               <a:rPr lang="en-US" smtClean="0"/>
-              <a:t>1/1/21</a:t>
+              <a:t>1/8/21</a:t>
             </a:fld>
             <a:endParaRPr lang="en-US" dirty="0"/>
           </a:p>
@@ -990,7 +995,7 @@
           <a:p>
             <a:fld id="{F070A7B3-6521-4DCA-87E5-044747A908C1}" type="datetimeFigureOut">
               <a:rPr lang="en-US" smtClean="0"/>
-              <a:t>1/1/21</a:t>
+              <a:t>1/8/21</a:t>
             </a:fld>
             <a:endParaRPr lang="en-US" dirty="0"/>
           </a:p>
@@ -1268,7 +1273,7 @@
           <a:p>
             <a:fld id="{1160EA64-D806-43AC-9DF2-F8C432F32B4C}" type="datetimeFigureOut">
               <a:rPr lang="en-US" smtClean="0"/>
-              <a:t>1/1/21</a:t>
+              <a:t>1/8/21</a:t>
             </a:fld>
             <a:endParaRPr lang="en-US" dirty="0"/>
           </a:p>
@@ -1663,7 +1668,7 @@
           <a:p>
             <a:fld id="{AB134690-1557-4C89-A502-4959FE7FAD70}" type="datetimeFigureOut">
               <a:rPr lang="en-US" smtClean="0"/>
-              <a:t>1/1/21</a:t>
+              <a:t>1/8/21</a:t>
             </a:fld>
             <a:endParaRPr lang="en-US" dirty="0"/>
           </a:p>
@@ -2140,7 +2145,7 @@
           <a:p>
             <a:fld id="{1160EA64-D806-43AC-9DF2-F8C432F32B4C}" type="datetimeFigureOut">
               <a:rPr lang="en-US" smtClean="0"/>
-              <a:t>1/1/21</a:t>
+              <a:t>1/8/21</a:t>
             </a:fld>
             <a:endParaRPr lang="en-US" dirty="0"/>
           </a:p>
@@ -2260,7 +2265,7 @@
           <a:p>
             <a:fld id="{E1037C31-9E7A-4F99-8774-A0E530DE1A42}" type="datetimeFigureOut">
               <a:rPr lang="en-US" smtClean="0"/>
-              <a:t>1/1/21</a:t>
+              <a:t>1/8/21</a:t>
             </a:fld>
             <a:endParaRPr lang="en-US" dirty="0"/>
           </a:p>
@@ -2355,7 +2360,7 @@
           <a:p>
             <a:fld id="{C278504F-A551-4DE0-9316-4DCD1D8CC752}" type="datetimeFigureOut">
               <a:rPr lang="en-US" smtClean="0"/>
-              <a:t>1/1/21</a:t>
+              <a:t>1/8/21</a:t>
             </a:fld>
             <a:endParaRPr lang="en-US" dirty="0"/>
           </a:p>
@@ -2701,7 +2706,7 @@
           <a:p>
             <a:fld id="{D1BE4249-C0D0-4B06-8692-E8BB871AF643}" type="datetimeFigureOut">
               <a:rPr lang="en-US" smtClean="0"/>
-              <a:t>1/1/21</a:t>
+              <a:t>1/8/21</a:t>
             </a:fld>
             <a:endParaRPr lang="en-US" dirty="0"/>
           </a:p>
@@ -3089,7 +3094,7 @@
           <a:p>
             <a:fld id="{1160EA64-D806-43AC-9DF2-F8C432F32B4C}" type="datetimeFigureOut">
               <a:rPr lang="en-US" smtClean="0"/>
-              <a:t>1/1/21</a:t>
+              <a:t>1/8/21</a:t>
             </a:fld>
             <a:endParaRPr lang="en-US" dirty="0"/>
           </a:p>
@@ -3369,7 +3374,7 @@
           <a:p>
             <a:fld id="{1160EA64-D806-43AC-9DF2-F8C432F32B4C}" type="datetimeFigureOut">
               <a:rPr lang="en-US" smtClean="0"/>
-              <a:t>1/1/21</a:t>
+              <a:t>1/8/21</a:t>
             </a:fld>
             <a:endParaRPr lang="en-US" dirty="0"/>
           </a:p>
@@ -14880,7 +14885,7 @@
             </a:r>
             <a:r>
               <a:rPr lang="en-US" sz="2400" b="1" dirty="0"/>
-              <a:t>five</a:t>
+              <a:t>four</a:t>
             </a:r>
             <a:r>
               <a:rPr lang="en-US" sz="2400" dirty="0"/>
@@ -14908,8 +14913,8 @@
         </p:nvSpPr>
         <p:spPr>
           <a:xfrm>
-            <a:off x="4772295" y="435872"/>
-            <a:ext cx="7123615" cy="5986254"/>
+            <a:off x="4772295" y="682093"/>
+            <a:ext cx="7123615" cy="5493812"/>
           </a:xfrm>
           <a:prstGeom prst="rect">
             <a:avLst/>
@@ -14922,26 +14927,23 @@
           <a:lstStyle/>
           <a:p>
             <a:r>
+              <a:rPr lang="en-US" sz="700" dirty="0">
+                <a:solidFill>
+                  <a:schemeClr val="bg1"/>
+                </a:solidFill>
+              </a:rPr>
+              <a:t>word</a:t>
+            </a:r>
+          </a:p>
+          <a:p>
+            <a:r>
               <a:rPr lang="en-US" sz="3200" b="1" dirty="0">
                 <a:solidFill>
-                  <a:schemeClr val="bg2"/>
+                  <a:schemeClr val="accent2"/>
                 </a:solidFill>
               </a:rPr>
               <a:t>Cluster 1</a:t>
             </a:r>
-            <a:r>
-              <a:rPr lang="en-US" sz="3200" dirty="0">
-                <a:solidFill>
-                  <a:schemeClr val="bg2"/>
-                </a:solidFill>
-              </a:rPr>
-              <a:t> </a:t>
-            </a:r>
-            <a:endParaRPr lang="en-US" sz="3200" dirty="0">
-              <a:solidFill>
-                <a:srgbClr val="000000"/>
-              </a:solidFill>
-            </a:endParaRPr>
           </a:p>
           <a:p>
             <a:pPr marL="342900" indent="-342900">
@@ -14950,41 +14952,8 @@
             </a:pPr>
             <a:r>
               <a:rPr lang="en-US" sz="2400" dirty="0"/>
-              <a:t>Smallest cluster, no distinguishable traits</a:t>
-            </a:r>
-            <a:r>
-              <a:rPr lang="en-US" sz="2400" dirty="0">
-                <a:solidFill>
-                  <a:srgbClr val="000000"/>
-                </a:solidFill>
-              </a:rPr>
-              <a:t>.</a:t>
-            </a:r>
-          </a:p>
-          <a:p>
-            <a:r>
-              <a:rPr lang="en-US" sz="700" dirty="0">
-                <a:solidFill>
-                  <a:schemeClr val="bg1"/>
-                </a:solidFill>
-              </a:rPr>
-              <a:t>word</a:t>
-            </a:r>
-          </a:p>
-          <a:p>
-            <a:r>
-              <a:rPr lang="en-US" sz="3200" b="1" dirty="0">
-                <a:solidFill>
-                  <a:schemeClr val="accent1"/>
-                </a:solidFill>
-              </a:rPr>
-              <a:t>Cluster 2 </a:t>
-            </a:r>
-            <a:endParaRPr lang="en-US" sz="3200" b="1" dirty="0">
-              <a:solidFill>
-                <a:srgbClr val="000000"/>
-              </a:solidFill>
-            </a:endParaRPr>
+              <a:t>Positive</a:t>
+            </a:r>
           </a:p>
           <a:p>
             <a:pPr marL="342900" indent="-342900">
@@ -14993,7 +14962,7 @@
             </a:pPr>
             <a:r>
               <a:rPr lang="en-US" sz="2400" dirty="0"/>
-              <a:t>Articles with no text, only a singular video.</a:t>
+              <a:t>Less text, longer words</a:t>
             </a:r>
           </a:p>
           <a:p>
@@ -15009,30 +14978,29 @@
               </a:rPr>
               <a:t>word</a:t>
             </a:r>
-            <a:endParaRPr lang="en-US" sz="3200" dirty="0"/>
+            <a:endParaRPr lang="en-US" sz="800" b="1" dirty="0">
+              <a:solidFill>
+                <a:schemeClr val="bg1"/>
+              </a:solidFill>
+            </a:endParaRPr>
           </a:p>
           <a:p>
             <a:r>
               <a:rPr lang="en-US" sz="3200" b="1" dirty="0">
                 <a:solidFill>
-                  <a:schemeClr val="accent2"/>
+                  <a:schemeClr val="accent1"/>
                 </a:solidFill>
               </a:rPr>
-              <a:t>Cluster 3</a:t>
+              <a:t>Cluster 2</a:t>
             </a:r>
             <a:r>
               <a:rPr lang="en-US" sz="3200" dirty="0">
                 <a:solidFill>
-                  <a:schemeClr val="accent2"/>
+                  <a:schemeClr val="accent1"/>
                 </a:solidFill>
               </a:rPr>
               <a:t> </a:t>
             </a:r>
-            <a:endParaRPr lang="en-US" sz="3200" dirty="0">
-              <a:solidFill>
-                <a:srgbClr val="000000"/>
-              </a:solidFill>
-            </a:endParaRPr>
           </a:p>
           <a:p>
             <a:pPr marL="342900" indent="-342900">
@@ -15055,42 +15023,13 @@
             </a:r>
           </a:p>
           <a:p>
-            <a:r>
-              <a:rPr lang="en-US" sz="800" dirty="0">
-                <a:solidFill>
-                  <a:schemeClr val="bg1"/>
-                </a:solidFill>
-              </a:rPr>
-              <a:t>word</a:t>
-            </a:r>
-            <a:endParaRPr lang="en-US" sz="2400" dirty="0"/>
-          </a:p>
-          <a:p>
-            <a:r>
-              <a:rPr lang="en-US" sz="3200" b="1" dirty="0">
-                <a:solidFill>
-                  <a:schemeClr val="accent4"/>
-                </a:solidFill>
-              </a:rPr>
-              <a:t>Cluster 4</a:t>
-            </a:r>
-            <a:r>
-              <a:rPr lang="en-US" sz="3200" dirty="0">
-                <a:solidFill>
-                  <a:schemeClr val="accent4"/>
-                </a:solidFill>
-              </a:rPr>
-              <a:t> </a:t>
-            </a:r>
-          </a:p>
-          <a:p>
             <a:pPr marL="342900" indent="-342900">
               <a:buFont typeface="Wingdings" pitchFamily="2" charset="2"/>
               <a:buChar char="§"/>
             </a:pPr>
             <a:r>
               <a:rPr lang="en-US" sz="2400" dirty="0"/>
-              <a:t>Negative </a:t>
+              <a:t>More references</a:t>
             </a:r>
           </a:p>
           <a:p>
@@ -15099,12 +15038,6 @@
               <a:buChar char="§"/>
             </a:pPr>
             <a:r>
-              <a:rPr lang="en-US" sz="2400" dirty="0"/>
-              <a:t>Less text, longer words</a:t>
-            </a:r>
-          </a:p>
-          <a:p>
-            <a:r>
               <a:rPr lang="en-US" sz="800" dirty="0">
                 <a:solidFill>
                   <a:schemeClr val="bg1"/>
@@ -15112,16 +15045,16 @@
               </a:rPr>
               <a:t>word</a:t>
             </a:r>
-            <a:endParaRPr lang="en-US" sz="3200" dirty="0"/>
-          </a:p>
-          <a:p>
-            <a:r>
-              <a:rPr lang="en-US" sz="3200" b="1" dirty="0">
-                <a:solidFill>
-                  <a:schemeClr val="accent5"/>
-                </a:solidFill>
-              </a:rPr>
-              <a:t>Cluster 5</a:t>
+            <a:endParaRPr lang="en-US" sz="800" b="1" dirty="0">
+              <a:solidFill>
+                <a:schemeClr val="accent4"/>
+              </a:solidFill>
+            </a:endParaRPr>
+          </a:p>
+          <a:p>
+            <a:r>
+              <a:rPr lang="en-US" sz="3200" b="1" dirty="0"/>
+              <a:t>Cluster 3 </a:t>
             </a:r>
           </a:p>
           <a:p>
@@ -15131,7 +15064,7 @@
             </a:pPr>
             <a:r>
               <a:rPr lang="en-US" sz="2400" dirty="0"/>
-              <a:t>Positive</a:t>
+              <a:t>Negative</a:t>
             </a:r>
           </a:p>
           <a:p>
@@ -15143,7 +15076,57 @@
               <a:rPr lang="en-US" sz="2400" dirty="0"/>
               <a:t>Less text, longer words</a:t>
             </a:r>
-            <a:endParaRPr lang="en-US" sz="3200" dirty="0"/>
+          </a:p>
+          <a:p>
+            <a:pPr marL="342900" indent="-342900">
+              <a:buFont typeface="Wingdings" pitchFamily="2" charset="2"/>
+              <a:buChar char="§"/>
+            </a:pPr>
+            <a:r>
+              <a:rPr lang="en-US" sz="800" dirty="0">
+                <a:solidFill>
+                  <a:schemeClr val="bg1"/>
+                </a:solidFill>
+              </a:rPr>
+              <a:t>word</a:t>
+            </a:r>
+            <a:endParaRPr lang="en-US" sz="2400" dirty="0"/>
+          </a:p>
+          <a:p>
+            <a:r>
+              <a:rPr lang="en-US" sz="3200" b="1" dirty="0">
+                <a:solidFill>
+                  <a:schemeClr val="accent4"/>
+                </a:solidFill>
+              </a:rPr>
+              <a:t>Cluster 4</a:t>
+            </a:r>
+            <a:r>
+              <a:rPr lang="en-US" sz="3200" dirty="0">
+                <a:solidFill>
+                  <a:schemeClr val="accent4"/>
+                </a:solidFill>
+              </a:rPr>
+              <a:t> </a:t>
+            </a:r>
+          </a:p>
+          <a:p>
+            <a:pPr marL="342900" indent="-342900">
+              <a:buFont typeface="Wingdings" pitchFamily="2" charset="2"/>
+              <a:buChar char="§"/>
+            </a:pPr>
+            <a:r>
+              <a:rPr lang="en-US" sz="2400" dirty="0"/>
+              <a:t>Articles with little to no text </a:t>
+            </a:r>
+            <a:r>
+              <a:rPr lang="en-US" sz="800" dirty="0">
+                <a:solidFill>
+                  <a:schemeClr val="bg1"/>
+                </a:solidFill>
+              </a:rPr>
+              <a:t>word</a:t>
+            </a:r>
           </a:p>
         </p:txBody>
       </p:sp>
@@ -15245,55 +15228,6 @@
                                         <p:tgtEl>
                                           <p:spTgt spid="5">
                                             <p:txEl>
-                                              <p:pRg st="0" end="0"/>
-                                            </p:txEl>
-                                          </p:spTgt>
-                                        </p:tgtEl>
-                                        <p:attrNameLst>
-                                          <p:attrName>style.visibility</p:attrName>
-                                        </p:attrNameLst>
-                                      </p:cBhvr>
-                                      <p:to>
-                                        <p:strVal val="visible"/>
-                                      </p:to>
-                                    </p:set>
-                                  </p:childTnLst>
-                                </p:cTn>
-                              </p:par>
-                            </p:childTnLst>
-                          </p:cTn>
-                        </p:par>
-                      </p:childTnLst>
-                    </p:cTn>
-                  </p:par>
-                  <p:par>
-                    <p:cTn id="7" fill="hold">
-                      <p:stCondLst>
-                        <p:cond delay="indefinite"/>
-                      </p:stCondLst>
-                      <p:childTnLst>
-                        <p:par>
-                          <p:cTn id="8" fill="hold">
-                            <p:stCondLst>
-                              <p:cond delay="0"/>
-                            </p:stCondLst>
-                            <p:childTnLst>
-                              <p:par>
-                                <p:cTn id="9" presetID="1" presetClass="entr" presetSubtype="0" fill="hold" nodeType="clickEffect">
-                                  <p:stCondLst>
-                                    <p:cond delay="0"/>
-                                  </p:stCondLst>
-                                  <p:childTnLst>
-                                    <p:set>
-                                      <p:cBhvr>
-                                        <p:cTn id="10" dur="1" fill="hold">
-                                          <p:stCondLst>
-                                            <p:cond delay="0"/>
-                                          </p:stCondLst>
-                                        </p:cTn>
-                                        <p:tgtEl>
-                                          <p:spTgt spid="5">
-                                            <p:txEl>
                                               <p:pRg st="1" end="1"/>
                                             </p:txEl>
                                           </p:spTgt>
@@ -15312,30 +15246,73 @@
                             </p:childTnLst>
                           </p:cTn>
                         </p:par>
-                      </p:childTnLst>
-                    </p:cTn>
-                  </p:par>
-                  <p:par>
-                    <p:cTn id="11" fill="hold">
-                      <p:stCondLst>
-                        <p:cond delay="indefinite"/>
-                      </p:stCondLst>
-                      <p:childTnLst>
                         <p:par>
-                          <p:cTn id="12" fill="hold">
+                          <p:cTn id="7" fill="hold">
                             <p:stCondLst>
                               <p:cond delay="0"/>
                             </p:stCondLst>
                             <p:childTnLst>
                               <p:par>
-                                <p:cTn id="13" presetID="1" presetClass="entr" presetSubtype="0" fill="hold" nodeType="clickEffect">
+                                <p:cTn id="8" presetID="10" presetClass="entr" presetSubtype="0" fill="hold" nodeType="afterEffect">
                                   <p:stCondLst>
-                                    <p:cond delay="0"/>
+                                    <p:cond delay="500"/>
                                   </p:stCondLst>
                                   <p:childTnLst>
                                     <p:set>
                                       <p:cBhvr>
-                                        <p:cTn id="14" dur="1" fill="hold">
+                                        <p:cTn id="9" dur="1" fill="hold">
+                                          <p:stCondLst>
+                                            <p:cond delay="0"/>
+                                          </p:stCondLst>
+                                        </p:cTn>
+                                        <p:tgtEl>
+                                          <p:spTgt spid="5">
+                                            <p:txEl>
+                                              <p:pRg st="2" end="2"/>
+                                            </p:txEl>
+                                          </p:spTgt>
+                                        </p:tgtEl>
+                                        <p:attrNameLst>
+                                          <p:attrName>style.visibility</p:attrName>
+                                        </p:attrNameLst>
+                                      </p:cBhvr>
+                                      <p:to>
+                                        <p:strVal val="visible"/>
+                                      </p:to>
+                                    </p:set>
+                                    <p:animEffect transition="in" filter="fade">
+                                      <p:cBhvr>
+                                        <p:cTn id="10" dur="1000"/>
+                                        <p:tgtEl>
+                                          <p:spTgt spid="5">
+                                            <p:txEl>
+                                              <p:pRg st="2" end="2"/>
+                                            </p:txEl>
+                                          </p:spTgt>
+                                        </p:tgtEl>
+                                      </p:cBhvr>
+                                    </p:animEffect>
+                                  </p:childTnLst>
+                                </p:cTn>
+                              </p:par>
+                            </p:childTnLst>
+                          </p:cTn>
+                        </p:par>
+                        <p:par>
+                          <p:cTn id="11" fill="hold">
+                            <p:stCondLst>
+                              <p:cond delay="1500"/>
+                            </p:stCondLst>
+                            <p:childTnLst>
+                              <p:par>
+                                <p:cTn id="12" presetID="10" presetClass="entr" presetSubtype="0" fill="hold" nodeType="afterEffect">
+                                  <p:stCondLst>
+                                    <p:cond delay="500"/>
+                                  </p:stCondLst>
+                                  <p:childTnLst>
+                                    <p:set>
+                                      <p:cBhvr>
+                                        <p:cTn id="13" dur="1" fill="hold">
                                           <p:stCondLst>
                                             <p:cond delay="0"/>
                                           </p:stCondLst>
@@ -15355,6 +15332,18 @@
                                         <p:strVal val="visible"/>
                                       </p:to>
                                     </p:set>
+                                    <p:animEffect transition="in" filter="fade">
+                                      <p:cBhvr>
+                                        <p:cTn id="14" dur="1000"/>
+                                        <p:tgtEl>
+                                          <p:spTgt spid="5">
+                                            <p:txEl>
+                                              <p:pRg st="3" end="3"/>
+                                            </p:txEl>
+                                          </p:spTgt>
+                                        </p:tgtEl>
+                                      </p:cBhvr>
+                                    </p:animEffect>
                                   </p:childTnLst>
                                 </p:cTn>
                               </p:par>
@@ -15392,7 +15381,7 @@
                                         <p:tgtEl>
                                           <p:spTgt spid="5">
                                             <p:txEl>
-                                              <p:pRg st="4" end="4"/>
+                                              <p:pRg st="5" end="5"/>
                                             </p:txEl>
                                           </p:spTgt>
                                         </p:tgtEl>
@@ -15410,30 +15399,21 @@
                             </p:childTnLst>
                           </p:cTn>
                         </p:par>
-                      </p:childTnLst>
-                    </p:cTn>
-                  </p:par>
-                  <p:par>
-                    <p:cTn id="19" fill="hold">
-                      <p:stCondLst>
-                        <p:cond delay="indefinite"/>
-                      </p:stCondLst>
-                      <p:childTnLst>
                         <p:par>
-                          <p:cTn id="20" fill="hold">
+                          <p:cTn id="19" fill="hold">
                             <p:stCondLst>
                               <p:cond delay="0"/>
                             </p:stCondLst>
                             <p:childTnLst>
                               <p:par>
-                                <p:cTn id="21" presetID="1" presetClass="entr" presetSubtype="0" fill="hold" nodeType="clickEffect">
+                                <p:cTn id="20" presetID="10" presetClass="entr" presetSubtype="0" fill="hold" nodeType="afterEffect">
                                   <p:stCondLst>
-                                    <p:cond delay="0"/>
+                                    <p:cond delay="500"/>
                                   </p:stCondLst>
                                   <p:childTnLst>
                                     <p:set>
                                       <p:cBhvr>
-                                        <p:cTn id="22" dur="1" fill="hold">
+                                        <p:cTn id="21" dur="1" fill="hold">
                                           <p:stCondLst>
                                             <p:cond delay="0"/>
                                           </p:stCondLst>
@@ -15453,36 +15433,39 @@
                                         <p:strVal val="visible"/>
                                       </p:to>
                                     </p:set>
+                                    <p:animEffect transition="in" filter="fade">
+                                      <p:cBhvr>
+                                        <p:cTn id="22" dur="1000"/>
+                                        <p:tgtEl>
+                                          <p:spTgt spid="5">
+                                            <p:txEl>
+                                              <p:pRg st="6" end="6"/>
+                                            </p:txEl>
+                                          </p:spTgt>
+                                        </p:tgtEl>
+                                      </p:cBhvr>
+                                    </p:animEffect>
                                   </p:childTnLst>
                                 </p:cTn>
                               </p:par>
                             </p:childTnLst>
                           </p:cTn>
                         </p:par>
-                      </p:childTnLst>
-                    </p:cTn>
-                  </p:par>
-                  <p:par>
-                    <p:cTn id="23" fill="hold">
-                      <p:stCondLst>
-                        <p:cond delay="indefinite"/>
-                      </p:stCondLst>
-                      <p:childTnLst>
                         <p:par>
-                          <p:cTn id="24" fill="hold">
+                          <p:cTn id="23" fill="hold">
                             <p:stCondLst>
-                              <p:cond delay="0"/>
+                              <p:cond delay="1500"/>
                             </p:stCondLst>
                             <p:childTnLst>
                               <p:par>
-                                <p:cTn id="25" presetID="1" presetClass="entr" presetSubtype="0" fill="hold" nodeType="clickEffect">
+                                <p:cTn id="24" presetID="10" presetClass="entr" presetSubtype="0" fill="hold" nodeType="afterEffect">
                                   <p:stCondLst>
-                                    <p:cond delay="0"/>
+                                    <p:cond delay="500"/>
                                   </p:stCondLst>
                                   <p:childTnLst>
                                     <p:set>
                                       <p:cBhvr>
-                                        <p:cTn id="26" dur="1" fill="hold">
+                                        <p:cTn id="25" dur="1" fill="hold">
                                           <p:stCondLst>
                                             <p:cond delay="0"/>
                                           </p:stCondLst>
@@ -15502,36 +15485,39 @@
                                         <p:strVal val="visible"/>
                                       </p:to>
                                     </p:set>
+                                    <p:animEffect transition="in" filter="fade">
+                                      <p:cBhvr>
+                                        <p:cTn id="26" dur="1000"/>
+                                        <p:tgtEl>
+                                          <p:spTgt spid="5">
+                                            <p:txEl>
+                                              <p:pRg st="7" end="7"/>
+                                            </p:txEl>
+                                          </p:spTgt>
+                                        </p:tgtEl>
+                                      </p:cBhvr>
+                                    </p:animEffect>
                                   </p:childTnLst>
                                 </p:cTn>
                               </p:par>
                             </p:childTnLst>
                           </p:cTn>
                         </p:par>
-                      </p:childTnLst>
-                    </p:cTn>
-                  </p:par>
-                  <p:par>
-                    <p:cTn id="27" fill="hold">
-                      <p:stCondLst>
-                        <p:cond delay="indefinite"/>
-                      </p:stCondLst>
-                      <p:childTnLst>
                         <p:par>
-                          <p:cTn id="28" fill="hold">
+                          <p:cTn id="27" fill="hold">
                             <p:stCondLst>
-                              <p:cond delay="0"/>
+                              <p:cond delay="3000"/>
                             </p:stCondLst>
                             <p:childTnLst>
                               <p:par>
-                                <p:cTn id="29" presetID="1" presetClass="entr" presetSubtype="0" fill="hold" nodeType="clickEffect">
+                                <p:cTn id="28" presetID="10" presetClass="entr" presetSubtype="0" fill="hold" nodeType="afterEffect">
                                   <p:stCondLst>
-                                    <p:cond delay="0"/>
+                                    <p:cond delay="500"/>
                                   </p:stCondLst>
                                   <p:childTnLst>
                                     <p:set>
                                       <p:cBhvr>
-                                        <p:cTn id="30" dur="1" fill="hold">
+                                        <p:cTn id="29" dur="1" fill="hold">
                                           <p:stCondLst>
                                             <p:cond delay="0"/>
                                           </p:stCondLst>
@@ -15551,6 +15537,18 @@
                                         <p:strVal val="visible"/>
                                       </p:to>
                                     </p:set>
+                                    <p:animEffect transition="in" filter="fade">
+                                      <p:cBhvr>
+                                        <p:cTn id="30" dur="1000"/>
+                                        <p:tgtEl>
+                                          <p:spTgt spid="5">
+                                            <p:txEl>
+                                              <p:pRg st="8" end="8"/>
+                                            </p:txEl>
+                                          </p:spTgt>
+                                        </p:tgtEl>
+                                      </p:cBhvr>
+                                    </p:animEffect>
                                   </p:childTnLst>
                                 </p:cTn>
                               </p:par>
@@ -15606,30 +15604,21 @@
                             </p:childTnLst>
                           </p:cTn>
                         </p:par>
-                      </p:childTnLst>
-                    </p:cTn>
-                  </p:par>
-                  <p:par>
-                    <p:cTn id="35" fill="hold">
-                      <p:stCondLst>
-                        <p:cond delay="indefinite"/>
-                      </p:stCondLst>
-                      <p:childTnLst>
                         <p:par>
-                          <p:cTn id="36" fill="hold">
+                          <p:cTn id="35" fill="hold">
                             <p:stCondLst>
                               <p:cond delay="0"/>
                             </p:stCondLst>
                             <p:childTnLst>
                               <p:par>
-                                <p:cTn id="37" presetID="1" presetClass="entr" presetSubtype="0" fill="hold" nodeType="clickEffect">
+                                <p:cTn id="36" presetID="10" presetClass="entr" presetSubtype="0" fill="hold" nodeType="afterEffect">
                                   <p:stCondLst>
                                     <p:cond delay="0"/>
                                   </p:stCondLst>
                                   <p:childTnLst>
                                     <p:set>
                                       <p:cBhvr>
-                                        <p:cTn id="38" dur="1" fill="hold">
+                                        <p:cTn id="37" dur="1" fill="hold">
                                           <p:stCondLst>
                                             <p:cond delay="0"/>
                                           </p:stCondLst>
@@ -15649,36 +15638,39 @@
                                         <p:strVal val="visible"/>
                                       </p:to>
                                     </p:set>
+                                    <p:animEffect transition="in" filter="fade">
+                                      <p:cBhvr>
+                                        <p:cTn id="38" dur="1000"/>
+                                        <p:tgtEl>
+                                          <p:spTgt spid="5">
+                                            <p:txEl>
+                                              <p:pRg st="11" end="11"/>
+                                            </p:txEl>
+                                          </p:spTgt>
+                                        </p:tgtEl>
+                                      </p:cBhvr>
+                                    </p:animEffect>
                                   </p:childTnLst>
                                 </p:cTn>
                               </p:par>
                             </p:childTnLst>
                           </p:cTn>
                         </p:par>
-                      </p:childTnLst>
-                    </p:cTn>
-                  </p:par>
-                  <p:par>
-                    <p:cTn id="39" fill="hold">
-                      <p:stCondLst>
-                        <p:cond delay="indefinite"/>
-                      </p:stCondLst>
-                      <p:childTnLst>
                         <p:par>
-                          <p:cTn id="40" fill="hold">
+                          <p:cTn id="39" fill="hold">
                             <p:stCondLst>
-                              <p:cond delay="0"/>
+                              <p:cond delay="1000"/>
                             </p:stCondLst>
                             <p:childTnLst>
                               <p:par>
-                                <p:cTn id="41" presetID="1" presetClass="entr" presetSubtype="0" fill="hold" nodeType="clickEffect">
+                                <p:cTn id="40" presetID="10" presetClass="entr" presetSubtype="0" fill="hold" nodeType="afterEffect">
                                   <p:stCondLst>
                                     <p:cond delay="0"/>
                                   </p:stCondLst>
                                   <p:childTnLst>
                                     <p:set>
                                       <p:cBhvr>
-                                        <p:cTn id="42" dur="1" fill="hold">
+                                        <p:cTn id="41" dur="1" fill="hold">
                                           <p:stCondLst>
                                             <p:cond delay="0"/>
                                           </p:stCondLst>
@@ -15698,6 +15690,18 @@
                                         <p:strVal val="visible"/>
                                       </p:to>
                                     </p:set>
+                                    <p:animEffect transition="in" filter="fade">
+                                      <p:cBhvr>
+                                        <p:cTn id="42" dur="1000"/>
+                                        <p:tgtEl>
+                                          <p:spTgt spid="5">
+                                            <p:txEl>
+                                              <p:pRg st="12" end="12"/>
+                                            </p:txEl>
+                                          </p:spTgt>
+                                        </p:tgtEl>
+                                      </p:cBhvr>
+                                    </p:animEffect>
                                   </p:childTnLst>
                                 </p:cTn>
                               </p:par>
@@ -15753,30 +15757,21 @@
                             </p:childTnLst>
                           </p:cTn>
                         </p:par>
-                      </p:childTnLst>
-                    </p:cTn>
-                  </p:par>
-                  <p:par>
-                    <p:cTn id="47" fill="hold">
-                      <p:stCondLst>
-                        <p:cond delay="indefinite"/>
-                      </p:stCondLst>
-                      <p:childTnLst>
                         <p:par>
-                          <p:cTn id="48" fill="hold">
+                          <p:cTn id="47" fill="hold">
                             <p:stCondLst>
                               <p:cond delay="0"/>
                             </p:stCondLst>
                             <p:childTnLst>
                               <p:par>
-                                <p:cTn id="49" presetID="1" presetClass="entr" presetSubtype="0" fill="hold" nodeType="clickEffect">
+                                <p:cTn id="48" presetID="10" presetClass="entr" presetSubtype="0" fill="hold" nodeType="afterEffect">
                                   <p:stCondLst>
                                     <p:cond delay="0"/>
                                   </p:stCondLst>
                                   <p:childTnLst>
                                     <p:set>
                                       <p:cBhvr>
-                                        <p:cTn id="50" dur="1" fill="hold">
+                                        <p:cTn id="49" dur="1" fill="hold">
                                           <p:stCondLst>
                                             <p:cond delay="0"/>
                                           </p:stCondLst>
@@ -15796,55 +15791,18 @@
                                         <p:strVal val="visible"/>
                                       </p:to>
                                     </p:set>
-                                  </p:childTnLst>
-                                </p:cTn>
-                              </p:par>
-                            </p:childTnLst>
-                          </p:cTn>
-                        </p:par>
-                      </p:childTnLst>
-                    </p:cTn>
-                  </p:par>
-                  <p:par>
-                    <p:cTn id="51" fill="hold">
-                      <p:stCondLst>
-                        <p:cond delay="indefinite"/>
-                      </p:stCondLst>
-                      <p:childTnLst>
-                        <p:par>
-                          <p:cTn id="52" fill="hold">
-                            <p:stCondLst>
-                              <p:cond delay="0"/>
-                            </p:stCondLst>
-                            <p:childTnLst>
-                              <p:par>
-                                <p:cTn id="53" presetID="1" presetClass="entr" presetSubtype="0" fill="hold" nodeType="clickEffect">
-                                  <p:stCondLst>
-                                    <p:cond delay="0"/>
-                                  </p:stCondLst>
-                                  <p:childTnLst>
-                                    <p:set>
+                                    <p:animEffect transition="in" filter="fade">
                                       <p:cBhvr>
-                                        <p:cTn id="54" dur="1" fill="hold">
-                                          <p:stCondLst>
-                                            <p:cond delay="0"/>
-                                          </p:stCondLst>
-                                        </p:cTn>
+                                        <p:cTn id="50" dur="1000"/>
                                         <p:tgtEl>
                                           <p:spTgt spid="5">
                                             <p:txEl>
-                                              <p:pRg st="16" end="16"/>
+                                              <p:pRg st="15" end="15"/>
                                             </p:txEl>
                                           </p:spTgt>
                                         </p:tgtEl>
-                                        <p:attrNameLst>
-                                          <p:attrName>style.visibility</p:attrName>
-                                        </p:attrNameLst>
                                       </p:cBhvr>
-                                      <p:to>
-                                        <p:strVal val="visible"/>
-                                      </p:to>
-                                    </p:set>
+                                    </p:animEffect>
                                   </p:childTnLst>
                                 </p:cTn>
                               </p:par>
@@ -15898,7 +15856,7 @@
       </p:grpSpPr>
       <p:pic>
         <p:nvPicPr>
-          <p:cNvPr id="10" name="Picture 9" descr="Chart&#10;&#10;Description automatically generated">
+          <p:cNvPr id="10" name="Picture 9">
             <a:extLst>
               <a:ext uri="{FF2B5EF4-FFF2-40B4-BE49-F238E27FC236}">
                 <a16:creationId xmlns:a16="http://schemas.microsoft.com/office/drawing/2014/main" id="{9EA6E17B-1872-0F4B-94C6-D7AFB021B1C5}"/>
@@ -15912,14 +15870,13 @@
         </p:nvPicPr>
         <p:blipFill>
           <a:blip r:embed="rId2"/>
-          <a:stretch>
-            <a:fillRect/>
-          </a:stretch>
+          <a:srcRect/>
+          <a:stretch/>
         </p:blipFill>
         <p:spPr>
           <a:xfrm>
-            <a:off x="4626665" y="679326"/>
-            <a:ext cx="7190404" cy="4700016"/>
+            <a:off x="4626665" y="720650"/>
+            <a:ext cx="7190404" cy="4617367"/>
           </a:xfrm>
           <a:prstGeom prst="rect">
             <a:avLst/>
@@ -16094,7 +16051,7 @@
         </p:nvCxnSpPr>
         <p:spPr>
           <a:xfrm>
-            <a:off x="5783261" y="3698313"/>
+            <a:off x="5783261" y="3767325"/>
             <a:ext cx="5854941" cy="0"/>
           </a:xfrm>
           <a:prstGeom prst="line">
@@ -16124,99 +16081,6 @@
           </a:fontRef>
         </p:style>
       </p:cxnSp>
-      <p:sp>
-        <p:nvSpPr>
-          <p:cNvPr id="16" name="Rectangle 15">
-            <a:extLst>
-              <a:ext uri="{FF2B5EF4-FFF2-40B4-BE49-F238E27FC236}">
-                <a16:creationId xmlns:a16="http://schemas.microsoft.com/office/drawing/2014/main" id="{1AEEA190-F75A-784C-84FA-D04A10ACF957}"/>
-              </a:ext>
-            </a:extLst>
-          </p:cNvPr>
-          <p:cNvSpPr/>
-          <p:nvPr/>
-        </p:nvSpPr>
-        <p:spPr>
-          <a:xfrm>
-            <a:off x="5927533" y="4712900"/>
-            <a:ext cx="5886512" cy="298393"/>
-          </a:xfrm>
-          <a:prstGeom prst="rect">
-            <a:avLst/>
-          </a:prstGeom>
-          <a:solidFill>
-            <a:schemeClr val="bg1"/>
-          </a:solidFill>
-          <a:ln>
-            <a:noFill/>
-          </a:ln>
-        </p:spPr>
-        <p:style>
-          <a:lnRef idx="2">
-            <a:schemeClr val="accent1">
-              <a:shade val="50000"/>
-            </a:schemeClr>
-          </a:lnRef>
-          <a:fillRef idx="1">
-            <a:schemeClr val="accent1"/>
-          </a:fillRef>
-          <a:effectRef idx="0">
-            <a:schemeClr val="accent1"/>
-          </a:effectRef>
-          <a:fontRef idx="minor">
-            <a:schemeClr val="lt1"/>
-          </a:fontRef>
-        </p:style>
-        <p:txBody>
-          <a:bodyPr rtlCol="0" anchor="ctr"/>
-          <a:lstStyle/>
-          <a:p>
-            <a:pPr algn="ctr"/>
-            <a:endParaRPr lang="en-US"/>
-          </a:p>
-        </p:txBody>
-      </p:sp>
-      <p:sp>
-        <p:nvSpPr>
-          <p:cNvPr id="17" name="TextBox 16">
-            <a:extLst>
-              <a:ext uri="{FF2B5EF4-FFF2-40B4-BE49-F238E27FC236}">
-                <a16:creationId xmlns:a16="http://schemas.microsoft.com/office/drawing/2014/main" id="{D9009867-BF64-CB47-8DE8-7705739FBB34}"/>
-              </a:ext>
-            </a:extLst>
-          </p:cNvPr>
-          <p:cNvSpPr txBox="1"/>
-          <p:nvPr/>
-        </p:nvSpPr>
-        <p:spPr>
-          <a:xfrm>
-            <a:off x="5938442" y="4697660"/>
-            <a:ext cx="5699760" cy="276999"/>
-          </a:xfrm>
-          <a:prstGeom prst="rect">
-            <a:avLst/>
-          </a:prstGeom>
-          <a:noFill/>
-        </p:spPr>
-        <p:txBody>
-          <a:bodyPr wrap="square" rtlCol="0">
-            <a:spAutoFit/>
-          </a:bodyPr>
-          <a:lstStyle/>
-          <a:p>
-            <a:r>
-              <a:rPr lang="en-US" sz="1200" dirty="0">
-                <a:solidFill>
-                  <a:srgbClr val="000000"/>
-                </a:solidFill>
-                <a:latin typeface="Arial" panose="020B0604020202020204" pitchFamily="34" charset="0"/>
-                <a:cs typeface="Arial" panose="020B0604020202020204" pitchFamily="34" charset="0"/>
-              </a:rPr>
-              <a:t>1                             2                             3                              4                             5</a:t>
-            </a:r>
-          </a:p>
-        </p:txBody>
-      </p:sp>
       <p:sp>
         <p:nvSpPr>
           <p:cNvPr id="30" name="Content Placeholder 20">
@@ -16443,24 +16307,12 @@
               <a:buNone/>
             </a:pPr>
             <a:r>
-              <a:rPr lang="en-US" sz="2400" dirty="0"/>
-              <a:t>While each clusters had its fair share of </a:t>
-            </a:r>
-            <a:r>
-              <a:rPr lang="en-US" sz="2400" b="1" dirty="0"/>
-              <a:t>popular</a:t>
-            </a:r>
-            <a:r>
-              <a:rPr lang="en-US" sz="2400" dirty="0"/>
-              <a:t> articles, </a:t>
-            </a:r>
-            <a:r>
               <a:rPr lang="en-US" sz="2400" dirty="0">
                 <a:solidFill>
                   <a:schemeClr val="bg1"/>
                 </a:solidFill>
               </a:rPr>
-              <a:t>Cluster 3 had</a:t>
+              <a:t>Cluster 2 had</a:t>
             </a:r>
             <a:r>
               <a:rPr lang="en-US" sz="2400" dirty="0"/>
@@ -16486,7 +16338,73 @@
                   <a:schemeClr val="bg1"/>
                 </a:solidFill>
               </a:rPr>
-              <a:t>viral articles</a:t>
+              <a:t>popular</a:t>
+            </a:r>
+            <a:r>
+              <a:rPr lang="en-US" sz="2400" dirty="0">
+                <a:ln w="3175">
+                  <a:noFill/>
+                </a:ln>
+                <a:solidFill>
+                  <a:schemeClr val="bg1"/>
+                </a:solidFill>
+              </a:rPr>
+              <a:t> and </a:t>
+            </a:r>
+            <a:r>
+              <a:rPr lang="en-US" sz="2400" b="1" dirty="0">
+                <a:ln w="3175">
+                  <a:noFill/>
+                </a:ln>
+                <a:solidFill>
+                  <a:schemeClr val="bg1"/>
+                </a:solidFill>
+              </a:rPr>
+              <a:t>viral </a:t>
+            </a:r>
+            <a:r>
+              <a:rPr lang="en-US" sz="2400" dirty="0">
+                <a:ln w="3175">
+                  <a:noFill/>
+                </a:ln>
+                <a:solidFill>
+                  <a:schemeClr val="bg1"/>
+                </a:solidFill>
+              </a:rPr>
+              <a:t>articles</a:t>
+            </a:r>
+            <a:r>
+              <a:rPr lang="en-US" sz="2400" b="1" dirty="0">
+                <a:ln w="3175">
+                  <a:noFill/>
+                </a:ln>
+                <a:solidFill>
+                  <a:schemeClr val="bg1"/>
+                </a:solidFill>
+              </a:rPr>
+              <a:t> </a:t>
+            </a:r>
+            <a:r>
+              <a:rPr lang="en-US" sz="2400" dirty="0">
+                <a:ln w="3175">
+                  <a:noFill/>
+                </a:ln>
+                <a:solidFill>
+                  <a:schemeClr val="bg1"/>
+                </a:solidFill>
+              </a:rPr>
+              <a:t>followed by Cluster 1</a:t>
+            </a:r>
+            <a:r>
+              <a:rPr lang="en-US" sz="2400" b="1" dirty="0">
+                <a:ln w="3175">
+                  <a:noFill/>
+                </a:ln>
+                <a:solidFill>
+                  <a:schemeClr val="bg1"/>
+                </a:solidFill>
+              </a:rPr>
+              <a:t>.</a:t>
             </a:r>
           </a:p>
           <a:p>
@@ -16508,7 +16426,7 @@
             </a:pPr>
             <a:r>
               <a:rPr lang="en-US" sz="2400" dirty="0"/>
-              <a:t>This could imply that the features present in Cluster 3, not only aid in popularity, but also to an article’s likelihood of becoming viral. </a:t>
+              <a:t>This could imply that the features present in Cluster 2, not only aid in popularity, but also to an article’s likelihood of becoming viral. </a:t>
             </a:r>
           </a:p>
         </p:txBody>
@@ -16588,7 +16506,7 @@
               <a:avLst/>
             </a:prstGeom>
             <a:solidFill>
-              <a:schemeClr val="accent2"/>
+              <a:schemeClr val="accent1"/>
             </a:solidFill>
             <a:ln>
               <a:solidFill>
@@ -16759,7 +16677,7 @@
             </a:avLst>
           </a:prstGeom>
           <a:solidFill>
-            <a:schemeClr val="accent2"/>
+            <a:schemeClr val="accent1"/>
           </a:solidFill>
           <a:ln>
             <a:solidFill>
@@ -16794,7 +16712,7 @@
                   <a:schemeClr val="tx2"/>
                 </a:solidFill>
               </a:rPr>
-              <a:t>Cluster 3</a:t>
+              <a:t>Cluster 2</a:t>
             </a:r>
           </a:p>
         </p:txBody>

--- a/Capstone II Slide Deck PPT.pptx
+++ b/Capstone II Slide Deck PPT.pptx
@@ -314,7 +314,7 @@
           <a:p>
             <a:fld id="{1160EA64-D806-43AC-9DF2-F8C432F32B4C}" type="datetimeFigureOut">
               <a:rPr lang="en-US" smtClean="0"/>
-              <a:t>1/8/21</a:t>
+              <a:t>1/12/21</a:t>
             </a:fld>
             <a:endParaRPr lang="en-US" dirty="0"/>
           </a:p>
@@ -645,7 +645,7 @@
           <a:p>
             <a:fld id="{E9F9C37B-1D36-470B-8223-D6C91242EC14}" type="datetimeFigureOut">
               <a:rPr lang="en-US" smtClean="0"/>
-              <a:t>1/8/21</a:t>
+              <a:t>1/12/21</a:t>
             </a:fld>
             <a:endParaRPr lang="en-US" dirty="0"/>
           </a:p>
@@ -825,7 +825,7 @@
           <a:p>
             <a:fld id="{67C6F52A-A82B-47A2-A83A-8C4C91F2D59F}" type="datetimeFigureOut">
               <a:rPr lang="en-US" smtClean="0"/>
-              <a:t>1/8/21</a:t>
+              <a:t>1/12/21</a:t>
             </a:fld>
             <a:endParaRPr lang="en-US" dirty="0"/>
           </a:p>
@@ -995,7 +995,7 @@
           <a:p>
             <a:fld id="{F070A7B3-6521-4DCA-87E5-044747A908C1}" type="datetimeFigureOut">
               <a:rPr lang="en-US" smtClean="0"/>
-              <a:t>1/8/21</a:t>
+              <a:t>1/12/21</a:t>
             </a:fld>
             <a:endParaRPr lang="en-US" dirty="0"/>
           </a:p>
@@ -1273,7 +1273,7 @@
           <a:p>
             <a:fld id="{1160EA64-D806-43AC-9DF2-F8C432F32B4C}" type="datetimeFigureOut">
               <a:rPr lang="en-US" smtClean="0"/>
-              <a:t>1/8/21</a:t>
+              <a:t>1/12/21</a:t>
             </a:fld>
             <a:endParaRPr lang="en-US" dirty="0"/>
           </a:p>
@@ -1668,7 +1668,7 @@
           <a:p>
             <a:fld id="{AB134690-1557-4C89-A502-4959FE7FAD70}" type="datetimeFigureOut">
               <a:rPr lang="en-US" smtClean="0"/>
-              <a:t>1/8/21</a:t>
+              <a:t>1/12/21</a:t>
             </a:fld>
             <a:endParaRPr lang="en-US" dirty="0"/>
           </a:p>
@@ -2145,7 +2145,7 @@
           <a:p>
             <a:fld id="{1160EA64-D806-43AC-9DF2-F8C432F32B4C}" type="datetimeFigureOut">
               <a:rPr lang="en-US" smtClean="0"/>
-              <a:t>1/8/21</a:t>
+              <a:t>1/12/21</a:t>
             </a:fld>
             <a:endParaRPr lang="en-US" dirty="0"/>
           </a:p>
@@ -2265,7 +2265,7 @@
           <a:p>
             <a:fld id="{E1037C31-9E7A-4F99-8774-A0E530DE1A42}" type="datetimeFigureOut">
               <a:rPr lang="en-US" smtClean="0"/>
-              <a:t>1/8/21</a:t>
+              <a:t>1/12/21</a:t>
             </a:fld>
             <a:endParaRPr lang="en-US" dirty="0"/>
           </a:p>
@@ -2360,7 +2360,7 @@
           <a:p>
             <a:fld id="{C278504F-A551-4DE0-9316-4DCD1D8CC752}" type="datetimeFigureOut">
               <a:rPr lang="en-US" smtClean="0"/>
-              <a:t>1/8/21</a:t>
+              <a:t>1/12/21</a:t>
             </a:fld>
             <a:endParaRPr lang="en-US" dirty="0"/>
           </a:p>
@@ -2706,7 +2706,7 @@
           <a:p>
             <a:fld id="{D1BE4249-C0D0-4B06-8692-E8BB871AF643}" type="datetimeFigureOut">
               <a:rPr lang="en-US" smtClean="0"/>
-              <a:t>1/8/21</a:t>
+              <a:t>1/12/21</a:t>
             </a:fld>
             <a:endParaRPr lang="en-US" dirty="0"/>
           </a:p>
@@ -3094,7 +3094,7 @@
           <a:p>
             <a:fld id="{1160EA64-D806-43AC-9DF2-F8C432F32B4C}" type="datetimeFigureOut">
               <a:rPr lang="en-US" smtClean="0"/>
-              <a:t>1/8/21</a:t>
+              <a:t>1/12/21</a:t>
             </a:fld>
             <a:endParaRPr lang="en-US" dirty="0"/>
           </a:p>
@@ -3374,7 +3374,7 @@
           <a:p>
             <a:fld id="{1160EA64-D806-43AC-9DF2-F8C432F32B4C}" type="datetimeFigureOut">
               <a:rPr lang="en-US" smtClean="0"/>
-              <a:t>1/8/21</a:t>
+              <a:t>1/12/21</a:t>
             </a:fld>
             <a:endParaRPr lang="en-US" dirty="0"/>
           </a:p>
@@ -4646,7 +4646,7 @@
         </p:nvSpPr>
         <p:spPr>
           <a:xfrm>
-            <a:off x="6532762" y="2694420"/>
+            <a:off x="6607712" y="2694420"/>
             <a:ext cx="4868783" cy="3652510"/>
           </a:xfrm>
         </p:spPr>
@@ -4664,43 +4664,11 @@
           <a:p>
             <a:r>
               <a:rPr lang="en-US" sz="2400" dirty="0"/>
-              <a:t>Even when testing the model with the training data, the model correctly labels only 82% of the popular articles </a:t>
+              <a:t>Even when testing the model with the training data, the model correctly labels only 91% of the popular articles </a:t>
             </a:r>
           </a:p>
         </p:txBody>
       </p:sp>
-      <p:pic>
-        <p:nvPicPr>
-          <p:cNvPr id="34" name="Picture 33" descr="Graphical user interface, application&#10;&#10;Description automatically generated">
-            <a:extLst>
-              <a:ext uri="{FF2B5EF4-FFF2-40B4-BE49-F238E27FC236}">
-                <a16:creationId xmlns:a16="http://schemas.microsoft.com/office/drawing/2014/main" id="{6DA0DF7D-CDD7-9243-A3CE-FB9A12C9B6B2}"/>
-              </a:ext>
-            </a:extLst>
-          </p:cNvPr>
-          <p:cNvPicPr>
-            <a:picLocks noChangeAspect="1"/>
-          </p:cNvPicPr>
-          <p:nvPr/>
-        </p:nvPicPr>
-        <p:blipFill rotWithShape="1">
-          <a:blip r:embed="rId2"/>
-          <a:srcRect t="-1599" r="48175" b="51377"/>
-          <a:stretch/>
-        </p:blipFill>
-        <p:spPr>
-          <a:xfrm>
-            <a:off x="1227217" y="1706900"/>
-            <a:ext cx="4870929" cy="4690872"/>
-          </a:xfrm>
-          <a:prstGeom prst="rect">
-            <a:avLst/>
-          </a:prstGeom>
-          <a:solidFill>
-            <a:schemeClr val="bg1"/>
-          </a:solidFill>
-        </p:spPr>
-      </p:pic>
       <p:grpSp>
         <p:nvGrpSpPr>
           <p:cNvPr id="40" name="Group 39">
@@ -4715,7 +4683,7 @@
         </p:nvGrpSpPr>
         <p:grpSpPr>
           <a:xfrm>
-            <a:off x="6288390" y="2045367"/>
+            <a:off x="6363340" y="2015387"/>
             <a:ext cx="5103509" cy="997378"/>
             <a:chOff x="7156524" y="1744860"/>
             <a:chExt cx="4287760" cy="821979"/>
@@ -4826,6 +4794,38 @@
           </p:txBody>
         </p:sp>
       </p:grpSp>
+      <p:pic>
+        <p:nvPicPr>
+          <p:cNvPr id="3" name="Picture 2" descr="Chart, treemap chart&#10;&#10;Description automatically generated">
+            <a:extLst>
+              <a:ext uri="{FF2B5EF4-FFF2-40B4-BE49-F238E27FC236}">
+                <a16:creationId xmlns:a16="http://schemas.microsoft.com/office/drawing/2014/main" id="{ED1D7316-5D82-C447-A399-B186BA25B8C0}"/>
+              </a:ext>
+            </a:extLst>
+          </p:cNvPr>
+          <p:cNvPicPr>
+            <a:picLocks noChangeAspect="1"/>
+          </p:cNvPicPr>
+          <p:nvPr/>
+        </p:nvPicPr>
+        <p:blipFill rotWithShape="1">
+          <a:blip r:embed="rId2"/>
+          <a:srcRect l="-4291" t="-2169" r="4291" b="2169"/>
+          <a:stretch/>
+        </p:blipFill>
+        <p:spPr>
+          <a:xfrm>
+            <a:off x="1009038" y="1717295"/>
+            <a:ext cx="5084611" cy="4415950"/>
+          </a:xfrm>
+          <a:prstGeom prst="rect">
+            <a:avLst/>
+          </a:prstGeom>
+          <a:solidFill>
+            <a:schemeClr val="tx2"/>
+          </a:solidFill>
+        </p:spPr>
+      </p:pic>
     </p:spTree>
     <p:extLst>
       <p:ext uri="{BB962C8B-B14F-4D97-AF65-F5344CB8AC3E}">
@@ -5116,7 +5116,7 @@
         </p:nvSpPr>
         <p:spPr>
           <a:xfrm>
-            <a:off x="6541750" y="2015813"/>
+            <a:off x="6616700" y="1672603"/>
             <a:ext cx="4850149" cy="2436472"/>
           </a:xfrm>
         </p:spPr>
@@ -5139,38 +5139,6 @@
           </a:p>
         </p:txBody>
       </p:sp>
-      <p:pic>
-        <p:nvPicPr>
-          <p:cNvPr id="34" name="Picture 33" descr="Graphical user interface, application&#10;&#10;Description automatically generated">
-            <a:extLst>
-              <a:ext uri="{FF2B5EF4-FFF2-40B4-BE49-F238E27FC236}">
-                <a16:creationId xmlns:a16="http://schemas.microsoft.com/office/drawing/2014/main" id="{6DA0DF7D-CDD7-9243-A3CE-FB9A12C9B6B2}"/>
-              </a:ext>
-            </a:extLst>
-          </p:cNvPr>
-          <p:cNvPicPr>
-            <a:picLocks noChangeAspect="1"/>
-          </p:cNvPicPr>
-          <p:nvPr/>
-        </p:nvPicPr>
-        <p:blipFill rotWithShape="1">
-          <a:blip r:embed="rId2"/>
-          <a:srcRect l="-341" t="49647" r="48516" b="131"/>
-          <a:stretch/>
-        </p:blipFill>
-        <p:spPr>
-          <a:xfrm>
-            <a:off x="1227217" y="1706899"/>
-            <a:ext cx="4870929" cy="4690872"/>
-          </a:xfrm>
-          <a:prstGeom prst="rect">
-            <a:avLst/>
-          </a:prstGeom>
-          <a:solidFill>
-            <a:schemeClr val="bg1"/>
-          </a:solidFill>
-        </p:spPr>
-      </p:pic>
       <p:grpSp>
         <p:nvGrpSpPr>
           <p:cNvPr id="2" name="Group 1">
@@ -5185,7 +5153,7 @@
         </p:nvGrpSpPr>
         <p:grpSpPr>
           <a:xfrm>
-            <a:off x="6286500" y="4562150"/>
+            <a:off x="6361450" y="4218940"/>
             <a:ext cx="5111314" cy="1643063"/>
             <a:chOff x="6547323" y="4600578"/>
             <a:chExt cx="4893924" cy="1643063"/>
@@ -5304,6 +5272,38 @@
           </p:txBody>
         </p:sp>
       </p:grpSp>
+      <p:pic>
+        <p:nvPicPr>
+          <p:cNvPr id="8" name="Picture 7">
+            <a:extLst>
+              <a:ext uri="{FF2B5EF4-FFF2-40B4-BE49-F238E27FC236}">
+                <a16:creationId xmlns:a16="http://schemas.microsoft.com/office/drawing/2014/main" id="{CB0FCC55-D328-8C41-949B-523FC1E16218}"/>
+              </a:ext>
+            </a:extLst>
+          </p:cNvPr>
+          <p:cNvPicPr>
+            <a:picLocks noChangeAspect="1"/>
+          </p:cNvPicPr>
+          <p:nvPr/>
+        </p:nvPicPr>
+        <p:blipFill rotWithShape="1">
+          <a:blip r:embed="rId2"/>
+          <a:srcRect l="-4147" t="581" r="4147" b="-581"/>
+          <a:stretch/>
+        </p:blipFill>
+        <p:spPr>
+          <a:xfrm>
+            <a:off x="1017033" y="1698245"/>
+            <a:ext cx="5068621" cy="4415950"/>
+          </a:xfrm>
+          <a:prstGeom prst="rect">
+            <a:avLst/>
+          </a:prstGeom>
+          <a:solidFill>
+            <a:schemeClr val="tx2"/>
+          </a:solidFill>
+        </p:spPr>
+      </p:pic>
     </p:spTree>
     <p:extLst>
       <p:ext uri="{BB962C8B-B14F-4D97-AF65-F5344CB8AC3E}">
